--- a/Lessons/Lesson05/Lesson05.pptx
+++ b/Lessons/Lesson05/Lesson05.pptx
@@ -264,7 +264,7 @@
           <a:p>
             <a:fld id="{EA72E7BD-C1BB-46F1-B277-8AE99D5C93A3}" type="datetimeFigureOut">
               <a:rPr lang="en-US" smtClean="0"/>
-              <a:t>7/9/2022</a:t>
+              <a:t>7/12/2022</a:t>
             </a:fld>
             <a:endParaRPr lang="en-US"/>
           </a:p>
@@ -462,7 +462,7 @@
           <a:p>
             <a:fld id="{EA72E7BD-C1BB-46F1-B277-8AE99D5C93A3}" type="datetimeFigureOut">
               <a:rPr lang="en-US" smtClean="0"/>
-              <a:t>7/9/2022</a:t>
+              <a:t>7/12/2022</a:t>
             </a:fld>
             <a:endParaRPr lang="en-US"/>
           </a:p>
@@ -670,7 +670,7 @@
           <a:p>
             <a:fld id="{EA72E7BD-C1BB-46F1-B277-8AE99D5C93A3}" type="datetimeFigureOut">
               <a:rPr lang="en-US" smtClean="0"/>
-              <a:t>7/9/2022</a:t>
+              <a:t>7/12/2022</a:t>
             </a:fld>
             <a:endParaRPr lang="en-US"/>
           </a:p>
@@ -868,7 +868,7 @@
           <a:p>
             <a:fld id="{EA72E7BD-C1BB-46F1-B277-8AE99D5C93A3}" type="datetimeFigureOut">
               <a:rPr lang="en-US" smtClean="0"/>
-              <a:t>7/9/2022</a:t>
+              <a:t>7/12/2022</a:t>
             </a:fld>
             <a:endParaRPr lang="en-US"/>
           </a:p>
@@ -1143,7 +1143,7 @@
           <a:p>
             <a:fld id="{EA72E7BD-C1BB-46F1-B277-8AE99D5C93A3}" type="datetimeFigureOut">
               <a:rPr lang="en-US" smtClean="0"/>
-              <a:t>7/9/2022</a:t>
+              <a:t>7/12/2022</a:t>
             </a:fld>
             <a:endParaRPr lang="en-US"/>
           </a:p>
@@ -1408,7 +1408,7 @@
           <a:p>
             <a:fld id="{EA72E7BD-C1BB-46F1-B277-8AE99D5C93A3}" type="datetimeFigureOut">
               <a:rPr lang="en-US" smtClean="0"/>
-              <a:t>7/9/2022</a:t>
+              <a:t>7/12/2022</a:t>
             </a:fld>
             <a:endParaRPr lang="en-US"/>
           </a:p>
@@ -1820,7 +1820,7 @@
           <a:p>
             <a:fld id="{EA72E7BD-C1BB-46F1-B277-8AE99D5C93A3}" type="datetimeFigureOut">
               <a:rPr lang="en-US" smtClean="0"/>
-              <a:t>7/9/2022</a:t>
+              <a:t>7/12/2022</a:t>
             </a:fld>
             <a:endParaRPr lang="en-US"/>
           </a:p>
@@ -1961,7 +1961,7 @@
           <a:p>
             <a:fld id="{EA72E7BD-C1BB-46F1-B277-8AE99D5C93A3}" type="datetimeFigureOut">
               <a:rPr lang="en-US" smtClean="0"/>
-              <a:t>7/9/2022</a:t>
+              <a:t>7/12/2022</a:t>
             </a:fld>
             <a:endParaRPr lang="en-US"/>
           </a:p>
@@ -2074,7 +2074,7 @@
           <a:p>
             <a:fld id="{EA72E7BD-C1BB-46F1-B277-8AE99D5C93A3}" type="datetimeFigureOut">
               <a:rPr lang="en-US" smtClean="0"/>
-              <a:t>7/9/2022</a:t>
+              <a:t>7/12/2022</a:t>
             </a:fld>
             <a:endParaRPr lang="en-US"/>
           </a:p>
@@ -2385,7 +2385,7 @@
           <a:p>
             <a:fld id="{EA72E7BD-C1BB-46F1-B277-8AE99D5C93A3}" type="datetimeFigureOut">
               <a:rPr lang="en-US" smtClean="0"/>
-              <a:t>7/9/2022</a:t>
+              <a:t>7/12/2022</a:t>
             </a:fld>
             <a:endParaRPr lang="en-US"/>
           </a:p>
@@ -2673,7 +2673,7 @@
           <a:p>
             <a:fld id="{EA72E7BD-C1BB-46F1-B277-8AE99D5C93A3}" type="datetimeFigureOut">
               <a:rPr lang="en-US" smtClean="0"/>
-              <a:t>7/9/2022</a:t>
+              <a:t>7/12/2022</a:t>
             </a:fld>
             <a:endParaRPr lang="en-US"/>
           </a:p>
@@ -2914,7 +2914,7 @@
           <a:p>
             <a:fld id="{EA72E7BD-C1BB-46F1-B277-8AE99D5C93A3}" type="datetimeFigureOut">
               <a:rPr lang="en-US" smtClean="0"/>
-              <a:t>7/9/2022</a:t>
+              <a:t>7/12/2022</a:t>
             </a:fld>
             <a:endParaRPr lang="en-US"/>
           </a:p>
@@ -3563,7 +3563,7 @@
           <p:nvPr>
             <p:extLst>
               <p:ext uri="{D42A27DB-BD31-4B8C-83A1-F6EECF244321}">
-                <p14:modId xmlns:p14="http://schemas.microsoft.com/office/powerpoint/2010/main" val="1040573443"/>
+                <p14:modId xmlns:p14="http://schemas.microsoft.com/office/powerpoint/2010/main" val="4282510151"/>
               </p:ext>
             </p:extLst>
           </p:nvPr>
@@ -3576,16 +3576,22 @@
           <a:graphicData uri="http://schemas.openxmlformats.org/presentationml/2006/ole">
             <mc:AlternateContent xmlns:mc="http://schemas.openxmlformats.org/markup-compatibility/2006">
               <mc:Choice xmlns:v="urn:schemas-microsoft-com:vml" Requires="v">
-                <p:oleObj name="Worksheet" r:id="rId2" imgW="6591278" imgH="3133740" progId="Excel.Sheet.12">
+                <p:oleObj name="Worksheet" r:id="rId2" imgW="6591123" imgH="3133537" progId="Excel.Sheet.12">
                   <p:embed/>
                 </p:oleObj>
               </mc:Choice>
               <mc:Fallback>
-                <p:oleObj name="Worksheet" r:id="rId2" imgW="6591278" imgH="3133740" progId="Excel.Sheet.12">
+                <p:oleObj name="Worksheet" r:id="rId2" imgW="6591123" imgH="3133537" progId="Excel.Sheet.12">
                   <p:embed/>
                   <p:pic>
                     <p:nvPicPr>
-                      <p:cNvPr id="0" name=""/>
+                      <p:cNvPr id="4" name="Object 3">
+                        <a:extLst>
+                          <a:ext uri="{FF2B5EF4-FFF2-40B4-BE49-F238E27FC236}">
+                            <a16:creationId xmlns:a16="http://schemas.microsoft.com/office/drawing/2014/main" id="{50CED607-C6DC-1FD3-195B-09534215A66F}"/>
+                          </a:ext>
+                        </a:extLst>
+                      </p:cNvPr>
                       <p:cNvPicPr/>
                       <p:nvPr/>
                     </p:nvPicPr>
